--- a/intro to js.pptx
+++ b/intro to js.pptx
@@ -5334,14 +5334,23 @@
           <a:p>
             <a:r>
               <a:rPr lang="en-US" dirty="0" smtClean="0"/>
-              <a:t>A little overview of some terminology behind web development</a:t>
-            </a:r>
-          </a:p>
-          <a:p>
-            <a:r>
-              <a:rPr lang="en-US" dirty="0" smtClean="0"/>
-              <a:t>A note about JSON and maximizing data portability</a:t>
-            </a:r>
+              <a:t>A </a:t>
+            </a:r>
+            <a:r>
+              <a:rPr lang="en-US" dirty="0" smtClean="0"/>
+              <a:t>short </a:t>
+            </a:r>
+            <a:r>
+              <a:rPr lang="en-US" dirty="0" smtClean="0"/>
+              <a:t>overview of some terminology behind web development</a:t>
+            </a:r>
+          </a:p>
+          <a:p>
+            <a:r>
+              <a:rPr lang="en-US" dirty="0" smtClean="0"/>
+              <a:t>Setting up a local webserver</a:t>
+            </a:r>
+            <a:endParaRPr lang="en-US" dirty="0" smtClean="0"/>
           </a:p>
           <a:p>
             <a:r>
@@ -5439,32 +5448,25 @@
             </a:r>
             <a:r>
               <a:rPr lang="en-US" sz="4000" b="1" dirty="0"/>
-              <a:t>http://</a:t>
-            </a:r>
-            <a:r>
-              <a:rPr lang="en-US" sz="4000" b="1" dirty="0" smtClean="0"/>
-              <a:t>bit.ly/2mRzSc3</a:t>
-            </a:r>
+              <a:t>http://bit.ly/2F2RrgF</a:t>
+            </a:r>
+            <a:endParaRPr lang="en-US" sz="4000" b="1" dirty="0" smtClean="0"/>
           </a:p>
           <a:p>
             <a:r>
               <a:rPr lang="en-US" sz="4000" dirty="0" smtClean="0"/>
-              <a:t>MDN </a:t>
-            </a:r>
-            <a:r>
-              <a:rPr lang="en-US" sz="4000" dirty="0" smtClean="0"/>
-              <a:t>(Mozilla Developer Network) – Best ECMAScript/JavaScript reference out </a:t>
-            </a:r>
-            <a:r>
-              <a:rPr lang="en-US" sz="4000" dirty="0" smtClean="0"/>
-              <a:t>there</a:t>
+              <a:t>MDN (Mozilla Developer Network) – Best ECMAScript/JavaScript reference out there</a:t>
             </a:r>
           </a:p>
           <a:p>
             <a:pPr lvl="1"/>
             <a:r>
               <a:rPr lang="en-US" sz="3600" dirty="0" smtClean="0"/>
-              <a:t>Guide to Dynamic </a:t>
+              <a:t>Guide </a:t>
+            </a:r>
+            <a:r>
+              <a:rPr lang="en-US" sz="3600" dirty="0" smtClean="0"/>
+              <a:t>to Dynamic </a:t>
             </a:r>
             <a:r>
               <a:rPr lang="en-US" sz="3600" dirty="0" err="1" smtClean="0"/>
@@ -5489,7 +5491,6 @@
               <a:rPr lang="en-US" sz="3600" dirty="0" smtClean="0"/>
               <a:t> party APIs</a:t>
             </a:r>
-            <a:endParaRPr lang="en-US" sz="3600" dirty="0" smtClean="0"/>
           </a:p>
           <a:p>
             <a:pPr lvl="1"/>
@@ -5497,7 +5498,6 @@
               <a:rPr lang="en-US" sz="3600" dirty="0" smtClean="0"/>
               <a:t>Guide to Server-Side programming</a:t>
             </a:r>
-            <a:endParaRPr lang="en-US" sz="3600" dirty="0" smtClean="0"/>
           </a:p>
           <a:p>
             <a:pPr lvl="1"/>
@@ -6708,7 +6708,6 @@
               <a:rPr lang="en-US" dirty="0"/>
               <a:t>+</a:t>
             </a:r>
-            <a:endParaRPr lang="en-US" dirty="0"/>
           </a:p>
         </p:txBody>
       </p:sp>

--- a/intro to js.pptx
+++ b/intro to js.pptx
@@ -5,7 +5,7 @@
     <p:sldMasterId id="2147483660" r:id="rId1"/>
   </p:sldMasterIdLst>
   <p:notesMasterIdLst>
-    <p:notesMasterId r:id="rId22"/>
+    <p:notesMasterId r:id="rId23"/>
   </p:notesMasterIdLst>
   <p:sldIdLst>
     <p:sldId id="256" r:id="rId2"/>
@@ -21,13 +21,14 @@
     <p:sldId id="292" r:id="rId12"/>
     <p:sldId id="293" r:id="rId13"/>
     <p:sldId id="294" r:id="rId14"/>
-    <p:sldId id="296" r:id="rId15"/>
-    <p:sldId id="295" r:id="rId16"/>
-    <p:sldId id="297" r:id="rId17"/>
-    <p:sldId id="284" r:id="rId18"/>
-    <p:sldId id="289" r:id="rId19"/>
-    <p:sldId id="299" r:id="rId20"/>
-    <p:sldId id="298" r:id="rId21"/>
+    <p:sldId id="300" r:id="rId15"/>
+    <p:sldId id="296" r:id="rId16"/>
+    <p:sldId id="295" r:id="rId17"/>
+    <p:sldId id="297" r:id="rId18"/>
+    <p:sldId id="284" r:id="rId19"/>
+    <p:sldId id="289" r:id="rId20"/>
+    <p:sldId id="299" r:id="rId21"/>
+    <p:sldId id="298" r:id="rId22"/>
   </p:sldIdLst>
   <p:sldSz cx="12192000" cy="6858000"/>
   <p:notesSz cx="6858000" cy="9144000"/>
@@ -216,7 +217,7 @@
           <a:p>
             <a:fld id="{7C28A56C-B7DC-4B0B-A28E-64830014DEAF}" type="datetimeFigureOut">
               <a:rPr lang="en-US" smtClean="0"/>
-              <a:t>1/21/2018</a:t>
+              <a:t>1/22/2018</a:t>
             </a:fld>
             <a:endParaRPr lang="en-US"/>
           </a:p>
@@ -707,7 +708,7 @@
           <a:p>
             <a:fld id="{B417B79C-9BEE-4788-8A40-105E29A8A87D}" type="datetimeFigureOut">
               <a:rPr lang="en-US" smtClean="0"/>
-              <a:t>1/21/2018</a:t>
+              <a:t>1/22/2018</a:t>
             </a:fld>
             <a:endParaRPr lang="en-US"/>
           </a:p>
@@ -885,7 +886,7 @@
           <a:p>
             <a:fld id="{B417B79C-9BEE-4788-8A40-105E29A8A87D}" type="datetimeFigureOut">
               <a:rPr lang="en-US" smtClean="0"/>
-              <a:t>1/21/2018</a:t>
+              <a:t>1/22/2018</a:t>
             </a:fld>
             <a:endParaRPr lang="en-US"/>
           </a:p>
@@ -1073,7 +1074,7 @@
           <a:p>
             <a:fld id="{B417B79C-9BEE-4788-8A40-105E29A8A87D}" type="datetimeFigureOut">
               <a:rPr lang="en-US" smtClean="0"/>
-              <a:t>1/21/2018</a:t>
+              <a:t>1/22/2018</a:t>
             </a:fld>
             <a:endParaRPr lang="en-US"/>
           </a:p>
@@ -1251,7 +1252,7 @@
           <a:p>
             <a:fld id="{B417B79C-9BEE-4788-8A40-105E29A8A87D}" type="datetimeFigureOut">
               <a:rPr lang="en-US" smtClean="0"/>
-              <a:t>1/21/2018</a:t>
+              <a:t>1/22/2018</a:t>
             </a:fld>
             <a:endParaRPr lang="en-US"/>
           </a:p>
@@ -1505,7 +1506,7 @@
           <a:p>
             <a:fld id="{B417B79C-9BEE-4788-8A40-105E29A8A87D}" type="datetimeFigureOut">
               <a:rPr lang="en-US" smtClean="0"/>
-              <a:t>1/21/2018</a:t>
+              <a:t>1/22/2018</a:t>
             </a:fld>
             <a:endParaRPr lang="en-US"/>
           </a:p>
@@ -1745,7 +1746,7 @@
           <a:p>
             <a:fld id="{B417B79C-9BEE-4788-8A40-105E29A8A87D}" type="datetimeFigureOut">
               <a:rPr lang="en-US" smtClean="0"/>
-              <a:t>1/21/2018</a:t>
+              <a:t>1/22/2018</a:t>
             </a:fld>
             <a:endParaRPr lang="en-US"/>
           </a:p>
@@ -2120,7 +2121,7 @@
           <a:p>
             <a:fld id="{B417B79C-9BEE-4788-8A40-105E29A8A87D}" type="datetimeFigureOut">
               <a:rPr lang="en-US" smtClean="0"/>
-              <a:t>1/21/2018</a:t>
+              <a:t>1/22/2018</a:t>
             </a:fld>
             <a:endParaRPr lang="en-US"/>
           </a:p>
@@ -2246,7 +2247,7 @@
           <a:p>
             <a:fld id="{B417B79C-9BEE-4788-8A40-105E29A8A87D}" type="datetimeFigureOut">
               <a:rPr lang="en-US" smtClean="0"/>
-              <a:t>1/21/2018</a:t>
+              <a:t>1/22/2018</a:t>
             </a:fld>
             <a:endParaRPr lang="en-US"/>
           </a:p>
@@ -2349,7 +2350,7 @@
           <a:p>
             <a:fld id="{B417B79C-9BEE-4788-8A40-105E29A8A87D}" type="datetimeFigureOut">
               <a:rPr lang="en-US" smtClean="0"/>
-              <a:t>1/21/2018</a:t>
+              <a:t>1/22/2018</a:t>
             </a:fld>
             <a:endParaRPr lang="en-US"/>
           </a:p>
@@ -2634,7 +2635,7 @@
           <a:p>
             <a:fld id="{B417B79C-9BEE-4788-8A40-105E29A8A87D}" type="datetimeFigureOut">
               <a:rPr lang="en-US" smtClean="0"/>
-              <a:t>1/21/2018</a:t>
+              <a:t>1/22/2018</a:t>
             </a:fld>
             <a:endParaRPr lang="en-US"/>
           </a:p>
@@ -2899,7 +2900,7 @@
           <a:p>
             <a:fld id="{B417B79C-9BEE-4788-8A40-105E29A8A87D}" type="datetimeFigureOut">
               <a:rPr lang="en-US" smtClean="0"/>
-              <a:t>1/21/2018</a:t>
+              <a:t>1/22/2018</a:t>
             </a:fld>
             <a:endParaRPr lang="en-US"/>
           </a:p>
@@ -3115,7 +3116,7 @@
           <a:p>
             <a:fld id="{B417B79C-9BEE-4788-8A40-105E29A8A87D}" type="datetimeFigureOut">
               <a:rPr lang="en-US" smtClean="0"/>
-              <a:t>1/21/2018</a:t>
+              <a:t>1/22/2018</a:t>
             </a:fld>
             <a:endParaRPr lang="en-US"/>
           </a:p>
@@ -4205,7 +4206,7 @@
           <a:p>
             <a:r>
               <a:rPr lang="en-US" dirty="0" smtClean="0"/>
-              <a:t>[Show]</a:t>
+              <a:t>[Break]</a:t>
             </a:r>
             <a:endParaRPr lang="en-US" dirty="0"/>
           </a:p>
@@ -4226,48 +4227,14 @@
           <a:bodyPr/>
           <a:lstStyle/>
           <a:p>
-            <a:r>
-              <a:rPr lang="en-US" dirty="0" smtClean="0"/>
-              <a:t>Library Import</a:t>
-            </a:r>
-          </a:p>
-          <a:p>
-            <a:r>
-              <a:rPr lang="en-US" dirty="0" smtClean="0"/>
-              <a:t>D3 element creation, show object’s new __data__ property</a:t>
-            </a:r>
-          </a:p>
-          <a:p>
-            <a:r>
-              <a:rPr lang="en-US" dirty="0" smtClean="0"/>
-              <a:t>Data Import:</a:t>
-            </a:r>
-          </a:p>
-          <a:p>
-            <a:pPr lvl="1"/>
-            <a:r>
-              <a:rPr lang="en-US" dirty="0" smtClean="0"/>
-              <a:t>Synchronous: renaming + up front (show cheating file)</a:t>
-            </a:r>
-          </a:p>
-          <a:p>
-            <a:pPr lvl="1"/>
-            <a:r>
-              <a:rPr lang="en-US" dirty="0" err="1" smtClean="0"/>
-              <a:t>Async</a:t>
-            </a:r>
-            <a:r>
-              <a:rPr lang="en-US" dirty="0" smtClean="0"/>
-              <a:t>: Creating a local webserver</a:t>
-            </a:r>
-            <a:endParaRPr lang="en-US" dirty="0"/>
+            <a:endParaRPr lang="en-US"/>
           </a:p>
         </p:txBody>
       </p:sp>
     </p:spTree>
     <p:extLst>
       <p:ext uri="{BB962C8B-B14F-4D97-AF65-F5344CB8AC3E}">
-        <p14:creationId xmlns:p14="http://schemas.microsoft.com/office/powerpoint/2010/main" val="3513773597"/>
+        <p14:creationId xmlns:p14="http://schemas.microsoft.com/office/powerpoint/2010/main" val="1975745766"/>
       </p:ext>
     </p:extLst>
   </p:cSld>
@@ -4304,238 +4271,68 @@
             <p:ph type="title"/>
           </p:nvPr>
         </p:nvSpPr>
-        <p:spPr>
-          <a:xfrm>
-            <a:off x="850726" y="0"/>
-            <a:ext cx="10515600" cy="1325563"/>
-          </a:xfrm>
-        </p:spPr>
-        <p:txBody>
-          <a:bodyPr/>
-          <a:lstStyle/>
-          <a:p>
-            <a:r>
-              <a:rPr lang="en-US" dirty="0" smtClean="0"/>
-              <a:t>[Practice] – 30 </a:t>
-            </a:r>
+        <p:spPr/>
+        <p:txBody>
+          <a:bodyPr/>
+          <a:lstStyle/>
+          <a:p>
+            <a:r>
+              <a:rPr lang="en-US" dirty="0" smtClean="0"/>
+              <a:t>[Show]</a:t>
+            </a:r>
+            <a:endParaRPr lang="en-US" dirty="0"/>
+          </a:p>
+        </p:txBody>
+      </p:sp>
+      <p:sp>
+        <p:nvSpPr>
+          <p:cNvPr id="3" name="Content Placeholder 2"/>
+          <p:cNvSpPr>
+            <a:spLocks noGrp="1"/>
+          </p:cNvSpPr>
+          <p:nvPr>
+            <p:ph idx="1"/>
+          </p:nvPr>
+        </p:nvSpPr>
+        <p:spPr/>
+        <p:txBody>
+          <a:bodyPr/>
+          <a:lstStyle/>
+          <a:p>
+            <a:r>
+              <a:rPr lang="en-US" dirty="0" smtClean="0"/>
+              <a:t>Library Import</a:t>
+            </a:r>
+          </a:p>
+          <a:p>
+            <a:r>
+              <a:rPr lang="en-US" dirty="0" smtClean="0"/>
+              <a:t>D3 element creation, show object’s new __data__ property</a:t>
+            </a:r>
+          </a:p>
+          <a:p>
+            <a:r>
+              <a:rPr lang="en-US" dirty="0" smtClean="0"/>
+              <a:t>Data Import:</a:t>
+            </a:r>
+          </a:p>
+          <a:p>
+            <a:pPr lvl="1"/>
+            <a:r>
+              <a:rPr lang="en-US" dirty="0" smtClean="0"/>
+              <a:t>Synchronous: renaming + up front (show cheating file)</a:t>
+            </a:r>
+          </a:p>
+          <a:p>
+            <a:pPr lvl="1"/>
             <a:r>
               <a:rPr lang="en-US" dirty="0" err="1" smtClean="0"/>
-              <a:t>mins</a:t>
-            </a:r>
-            <a:endParaRPr lang="en-US" dirty="0"/>
-          </a:p>
-        </p:txBody>
-      </p:sp>
-      <p:sp>
-        <p:nvSpPr>
-          <p:cNvPr id="3" name="Content Placeholder 2"/>
-          <p:cNvSpPr>
-            <a:spLocks noGrp="1"/>
-          </p:cNvSpPr>
-          <p:nvPr>
-            <p:ph idx="1"/>
-          </p:nvPr>
-        </p:nvSpPr>
-        <p:spPr>
-          <a:xfrm>
-            <a:off x="850726" y="964504"/>
-            <a:ext cx="10515600" cy="5711869"/>
-          </a:xfrm>
-        </p:spPr>
-        <p:txBody>
-          <a:bodyPr>
-            <a:normAutofit fontScale="92500" lnSpcReduction="10000"/>
-          </a:bodyPr>
-          <a:lstStyle/>
-          <a:p>
-            <a:r>
-              <a:rPr lang="en-US" dirty="0" smtClean="0"/>
-              <a:t>Import d3.js &amp; your JS file into an html file</a:t>
-            </a:r>
-          </a:p>
-          <a:p>
-            <a:r>
-              <a:rPr lang="en-US" dirty="0" smtClean="0"/>
-              <a:t>Install a local HTTP server (Node or Python required)</a:t>
-            </a:r>
-          </a:p>
-          <a:p>
-            <a:pPr lvl="1"/>
-            <a:r>
-              <a:rPr lang="en-US" dirty="0" smtClean="0"/>
-              <a:t>Python</a:t>
-            </a:r>
-            <a:r>
-              <a:rPr lang="en-US" dirty="0"/>
-              <a:t>: </a:t>
-            </a:r>
-          </a:p>
-          <a:p>
-            <a:pPr lvl="2"/>
-            <a:r>
-              <a:rPr lang="en-US" dirty="0" smtClean="0"/>
-              <a:t>Navigate to your directory</a:t>
-            </a:r>
-          </a:p>
-          <a:p>
-            <a:pPr lvl="2"/>
-            <a:r>
-              <a:rPr lang="en-US" dirty="0"/>
-              <a:t>python -m </a:t>
-            </a:r>
-            <a:r>
-              <a:rPr lang="en-US" dirty="0" err="1" smtClean="0"/>
-              <a:t>http.server</a:t>
-            </a:r>
-            <a:r>
-              <a:rPr lang="en-US" dirty="0" smtClean="0"/>
-              <a:t> # </a:t>
-            </a:r>
-            <a:r>
-              <a:rPr lang="en-US" dirty="0"/>
-              <a:t>If Python version </a:t>
-            </a:r>
-            <a:r>
-              <a:rPr lang="en-US" dirty="0" smtClean="0"/>
-              <a:t>is 3.X</a:t>
-            </a:r>
-            <a:endParaRPr lang="en-US" dirty="0"/>
-          </a:p>
-          <a:p>
-            <a:pPr lvl="2"/>
-            <a:r>
-              <a:rPr lang="en-US" dirty="0"/>
-              <a:t>python -m </a:t>
-            </a:r>
-            <a:r>
-              <a:rPr lang="en-US" dirty="0" err="1" smtClean="0"/>
-              <a:t>SimpleHTTPServer</a:t>
-            </a:r>
-            <a:r>
-              <a:rPr lang="en-US" dirty="0" smtClean="0"/>
-              <a:t> </a:t>
-            </a:r>
-            <a:r>
-              <a:rPr lang="en-US" dirty="0"/>
-              <a:t># If Python version is </a:t>
-            </a:r>
-            <a:r>
-              <a:rPr lang="en-US" dirty="0" smtClean="0"/>
-              <a:t>2.X</a:t>
-            </a:r>
-          </a:p>
-          <a:p>
-            <a:pPr lvl="1"/>
-            <a:r>
-              <a:rPr lang="en-US" dirty="0" smtClean="0"/>
-              <a:t>Node:</a:t>
-            </a:r>
-          </a:p>
-          <a:p>
-            <a:pPr lvl="2"/>
-            <a:r>
-              <a:rPr lang="en-US" dirty="0" err="1"/>
-              <a:t>npm</a:t>
-            </a:r>
-            <a:r>
-              <a:rPr lang="en-US" dirty="0"/>
-              <a:t> install -g </a:t>
-            </a:r>
-            <a:r>
-              <a:rPr lang="en-US" dirty="0" smtClean="0"/>
-              <a:t>http-server</a:t>
-            </a:r>
-          </a:p>
-          <a:p>
-            <a:pPr lvl="2"/>
-            <a:r>
-              <a:rPr lang="en-US" dirty="0" smtClean="0"/>
-              <a:t>Navigate to your directory</a:t>
-            </a:r>
-          </a:p>
-          <a:p>
-            <a:pPr lvl="2"/>
-            <a:r>
-              <a:rPr lang="en-US" dirty="0" smtClean="0"/>
-              <a:t>http-server</a:t>
-            </a:r>
-          </a:p>
-          <a:p>
-            <a:r>
-              <a:rPr lang="en-US" dirty="0" smtClean="0"/>
-              <a:t>Import </a:t>
-            </a:r>
-            <a:r>
-              <a:rPr lang="en-US" dirty="0" err="1" smtClean="0"/>
-              <a:t>data.json</a:t>
-            </a:r>
-            <a:r>
-              <a:rPr lang="en-US" dirty="0" smtClean="0"/>
-              <a:t> file via </a:t>
-            </a:r>
-            <a:r>
-              <a:rPr lang="en-US" dirty="0" err="1" smtClean="0"/>
-              <a:t>javascript</a:t>
-            </a:r>
-            <a:r>
-              <a:rPr lang="en-US" dirty="0" smtClean="0"/>
-              <a:t> into your document, once a button is pushed</a:t>
-            </a:r>
-          </a:p>
-          <a:p>
-            <a:r>
-              <a:rPr lang="en-US" dirty="0" smtClean="0"/>
-              <a:t>In the </a:t>
-            </a:r>
-            <a:r>
-              <a:rPr lang="en-US" dirty="0" err="1" smtClean="0"/>
-              <a:t>async</a:t>
-            </a:r>
-            <a:r>
-              <a:rPr lang="en-US" dirty="0" smtClean="0"/>
-              <a:t> callback, create an element for each item using d3:</a:t>
-            </a:r>
-          </a:p>
-          <a:p>
-            <a:pPr lvl="1"/>
-            <a:r>
-              <a:rPr lang="en-US" dirty="0" smtClean="0"/>
-              <a:t>Each element should have text </a:t>
-            </a:r>
-            <a:r>
-              <a:rPr lang="en-US" i="1" dirty="0" smtClean="0"/>
-              <a:t>and</a:t>
-            </a:r>
-            <a:r>
-              <a:rPr lang="en-US" dirty="0" smtClean="0"/>
-              <a:t> width equal to its value</a:t>
-            </a:r>
-          </a:p>
-          <a:p>
-            <a:r>
-              <a:rPr lang="en-US" dirty="0" smtClean="0"/>
-              <a:t>Bonus:</a:t>
-            </a:r>
-          </a:p>
-          <a:p>
-            <a:pPr lvl="1"/>
-            <a:r>
-              <a:rPr lang="en-US" dirty="0" smtClean="0"/>
-              <a:t>Use SVG (‘</a:t>
-            </a:r>
-            <a:r>
-              <a:rPr lang="en-US" dirty="0" err="1" smtClean="0"/>
-              <a:t>rect</a:t>
-            </a:r>
-            <a:r>
-              <a:rPr lang="en-US" dirty="0" smtClean="0"/>
-              <a:t>’) instead of ‘div’ (and create a “proper” visualization)</a:t>
-            </a:r>
-          </a:p>
-          <a:p>
-            <a:endParaRPr lang="en-US" dirty="0"/>
-          </a:p>
-          <a:p>
+              <a:t>Async</a:t>
+            </a:r>
+            <a:r>
+              <a:rPr lang="en-US" dirty="0" smtClean="0"/>
+              <a:t>: Creating a local webserver</a:t>
+            </a:r>
             <a:endParaRPr lang="en-US" dirty="0"/>
           </a:p>
         </p:txBody>
@@ -4543,7 +4340,7 @@
     </p:spTree>
     <p:extLst>
       <p:ext uri="{BB962C8B-B14F-4D97-AF65-F5344CB8AC3E}">
-        <p14:creationId xmlns:p14="http://schemas.microsoft.com/office/powerpoint/2010/main" val="389575888"/>
+        <p14:creationId xmlns:p14="http://schemas.microsoft.com/office/powerpoint/2010/main" val="3513773597"/>
       </p:ext>
     </p:extLst>
   </p:cSld>
@@ -4580,33 +4377,10 @@
             <p:ph type="title"/>
           </p:nvPr>
         </p:nvSpPr>
-        <p:spPr/>
-        <p:txBody>
-          <a:bodyPr/>
-          <a:lstStyle/>
-          <a:p>
-            <a:r>
-              <a:rPr lang="en-US" dirty="0" smtClean="0"/>
-              <a:t>No Node or Python?</a:t>
-            </a:r>
-            <a:endParaRPr lang="en-US" dirty="0"/>
-          </a:p>
-        </p:txBody>
-      </p:sp>
-      <p:sp>
-        <p:nvSpPr>
-          <p:cNvPr id="3" name="Content Placeholder 2"/>
-          <p:cNvSpPr>
-            <a:spLocks noGrp="1"/>
-          </p:cNvSpPr>
-          <p:nvPr>
-            <p:ph idx="1"/>
-          </p:nvPr>
-        </p:nvSpPr>
         <p:spPr>
           <a:xfrm>
-            <a:off x="488515" y="1825625"/>
-            <a:ext cx="10865285" cy="4351338"/>
+            <a:off x="850726" y="0"/>
+            <a:ext cx="10515600" cy="1325563"/>
           </a:xfrm>
         </p:spPr>
         <p:txBody>
@@ -4615,40 +4389,234 @@
           <a:p>
             <a:r>
               <a:rPr lang="en-US" dirty="0" smtClean="0"/>
-              <a:t>See this guide for Python:</a:t>
-            </a:r>
-          </a:p>
-          <a:p>
+              <a:t>[Practice] – 30 </a:t>
+            </a:r>
+            <a:r>
+              <a:rPr lang="en-US" dirty="0" err="1" smtClean="0"/>
+              <a:t>mins</a:t>
+            </a:r>
+            <a:endParaRPr lang="en-US" dirty="0"/>
+          </a:p>
+        </p:txBody>
+      </p:sp>
+      <p:sp>
+        <p:nvSpPr>
+          <p:cNvPr id="3" name="Content Placeholder 2"/>
+          <p:cNvSpPr>
+            <a:spLocks noGrp="1"/>
+          </p:cNvSpPr>
+          <p:nvPr>
+            <p:ph idx="1"/>
+          </p:nvPr>
+        </p:nvSpPr>
+        <p:spPr>
+          <a:xfrm>
+            <a:off x="850726" y="964504"/>
+            <a:ext cx="10515600" cy="5711869"/>
+          </a:xfrm>
+        </p:spPr>
+        <p:txBody>
+          <a:bodyPr>
+            <a:normAutofit fontScale="92500" lnSpcReduction="10000"/>
+          </a:bodyPr>
+          <a:lstStyle/>
+          <a:p>
+            <a:r>
+              <a:rPr lang="en-US" dirty="0" smtClean="0"/>
+              <a:t>Import d3.js &amp; your JS file into an html file</a:t>
+            </a:r>
+          </a:p>
+          <a:p>
+            <a:r>
+              <a:rPr lang="en-US" dirty="0" smtClean="0"/>
+              <a:t>Install a local HTTP server (Node or Python required)</a:t>
+            </a:r>
+          </a:p>
+          <a:p>
+            <a:pPr lvl="1"/>
+            <a:r>
+              <a:rPr lang="en-US" dirty="0" smtClean="0"/>
+              <a:t>Python</a:t>
+            </a:r>
             <a:r>
               <a:rPr lang="en-US" dirty="0"/>
-              <a:t>https://</a:t>
-            </a:r>
-            <a:r>
-              <a:rPr lang="en-US" dirty="0" smtClean="0"/>
-              <a:t>developer.mozilla.org/en-US/docs/Learn/Common_questions/set_up_a_local_testing_server</a:t>
-            </a:r>
-          </a:p>
-          <a:p>
-            <a:endParaRPr lang="en-US" dirty="0" smtClean="0"/>
-          </a:p>
-          <a:p>
-            <a:r>
-              <a:rPr lang="en-US" dirty="0" smtClean="0"/>
-              <a:t>See this guide for Node:</a:t>
-            </a:r>
-          </a:p>
-          <a:p>
+              <a:t>: </a:t>
+            </a:r>
+          </a:p>
+          <a:p>
+            <a:pPr lvl="2"/>
+            <a:r>
+              <a:rPr lang="en-US" dirty="0" smtClean="0"/>
+              <a:t>Navigate to your directory</a:t>
+            </a:r>
+          </a:p>
+          <a:p>
+            <a:pPr lvl="2"/>
             <a:r>
               <a:rPr lang="en-US" dirty="0"/>
-              <a:t>https://developer.mozilla.org/en-US/docs/Learn/Server-side/Express_Nodejs/development_environment#Installing_Node</a:t>
-            </a:r>
+              <a:t>python -m </a:t>
+            </a:r>
+            <a:r>
+              <a:rPr lang="en-US" dirty="0" err="1" smtClean="0"/>
+              <a:t>http.server</a:t>
+            </a:r>
+            <a:r>
+              <a:rPr lang="en-US" dirty="0" smtClean="0"/>
+              <a:t> # </a:t>
+            </a:r>
+            <a:r>
+              <a:rPr lang="en-US" dirty="0"/>
+              <a:t>If Python version </a:t>
+            </a:r>
+            <a:r>
+              <a:rPr lang="en-US" dirty="0" smtClean="0"/>
+              <a:t>is 3.X</a:t>
+            </a:r>
+            <a:endParaRPr lang="en-US" dirty="0"/>
+          </a:p>
+          <a:p>
+            <a:pPr lvl="2"/>
+            <a:r>
+              <a:rPr lang="en-US" dirty="0"/>
+              <a:t>python -m </a:t>
+            </a:r>
+            <a:r>
+              <a:rPr lang="en-US" dirty="0" err="1" smtClean="0"/>
+              <a:t>SimpleHTTPServer</a:t>
+            </a:r>
+            <a:r>
+              <a:rPr lang="en-US" dirty="0" smtClean="0"/>
+              <a:t> </a:t>
+            </a:r>
+            <a:r>
+              <a:rPr lang="en-US" dirty="0"/>
+              <a:t># If Python version is </a:t>
+            </a:r>
+            <a:r>
+              <a:rPr lang="en-US" dirty="0" smtClean="0"/>
+              <a:t>2.X</a:t>
+            </a:r>
+          </a:p>
+          <a:p>
+            <a:pPr lvl="1"/>
+            <a:r>
+              <a:rPr lang="en-US" dirty="0" smtClean="0"/>
+              <a:t>Node:</a:t>
+            </a:r>
+          </a:p>
+          <a:p>
+            <a:pPr lvl="2"/>
+            <a:r>
+              <a:rPr lang="en-US" dirty="0" err="1"/>
+              <a:t>npm</a:t>
+            </a:r>
+            <a:r>
+              <a:rPr lang="en-US" dirty="0"/>
+              <a:t> install -g </a:t>
+            </a:r>
+            <a:r>
+              <a:rPr lang="en-US" dirty="0" smtClean="0"/>
+              <a:t>http-server</a:t>
+            </a:r>
+          </a:p>
+          <a:p>
+            <a:pPr lvl="2"/>
+            <a:r>
+              <a:rPr lang="en-US" dirty="0" smtClean="0"/>
+              <a:t>Navigate to your directory</a:t>
+            </a:r>
+          </a:p>
+          <a:p>
+            <a:pPr lvl="2"/>
+            <a:r>
+              <a:rPr lang="en-US" dirty="0" smtClean="0"/>
+              <a:t>http-server</a:t>
+            </a:r>
+          </a:p>
+          <a:p>
+            <a:r>
+              <a:rPr lang="en-US" dirty="0" smtClean="0"/>
+              <a:t>Import </a:t>
+            </a:r>
+            <a:r>
+              <a:rPr lang="en-US" dirty="0" err="1" smtClean="0"/>
+              <a:t>data.json</a:t>
+            </a:r>
+            <a:r>
+              <a:rPr lang="en-US" dirty="0" smtClean="0"/>
+              <a:t> file via </a:t>
+            </a:r>
+            <a:r>
+              <a:rPr lang="en-US" dirty="0" err="1" smtClean="0"/>
+              <a:t>javascript</a:t>
+            </a:r>
+            <a:r>
+              <a:rPr lang="en-US" dirty="0" smtClean="0"/>
+              <a:t> into your document, once a button is pushed</a:t>
+            </a:r>
+          </a:p>
+          <a:p>
+            <a:r>
+              <a:rPr lang="en-US" dirty="0" smtClean="0"/>
+              <a:t>In the </a:t>
+            </a:r>
+            <a:r>
+              <a:rPr lang="en-US" dirty="0" err="1" smtClean="0"/>
+              <a:t>async</a:t>
+            </a:r>
+            <a:r>
+              <a:rPr lang="en-US" dirty="0" smtClean="0"/>
+              <a:t> callback, create an element for each item using d3:</a:t>
+            </a:r>
+          </a:p>
+          <a:p>
+            <a:pPr lvl="1"/>
+            <a:r>
+              <a:rPr lang="en-US" dirty="0" smtClean="0"/>
+              <a:t>Each element should have text </a:t>
+            </a:r>
+            <a:r>
+              <a:rPr lang="en-US" i="1" dirty="0" smtClean="0"/>
+              <a:t>and</a:t>
+            </a:r>
+            <a:r>
+              <a:rPr lang="en-US" dirty="0" smtClean="0"/>
+              <a:t> width equal to its value</a:t>
+            </a:r>
+          </a:p>
+          <a:p>
+            <a:r>
+              <a:rPr lang="en-US" dirty="0" smtClean="0"/>
+              <a:t>Bonus:</a:t>
+            </a:r>
+          </a:p>
+          <a:p>
+            <a:pPr lvl="1"/>
+            <a:r>
+              <a:rPr lang="en-US" dirty="0" smtClean="0"/>
+              <a:t>Use SVG (‘</a:t>
+            </a:r>
+            <a:r>
+              <a:rPr lang="en-US" dirty="0" err="1" smtClean="0"/>
+              <a:t>rect</a:t>
+            </a:r>
+            <a:r>
+              <a:rPr lang="en-US" dirty="0" smtClean="0"/>
+              <a:t>’) instead of ‘div’ (and create a “proper” visualization)</a:t>
+            </a:r>
+          </a:p>
+          <a:p>
+            <a:endParaRPr lang="en-US" dirty="0"/>
+          </a:p>
+          <a:p>
+            <a:endParaRPr lang="en-US" dirty="0"/>
           </a:p>
         </p:txBody>
       </p:sp>
     </p:spTree>
     <p:extLst>
       <p:ext uri="{BB962C8B-B14F-4D97-AF65-F5344CB8AC3E}">
-        <p14:creationId xmlns:p14="http://schemas.microsoft.com/office/powerpoint/2010/main" val="3143553688"/>
+        <p14:creationId xmlns:p14="http://schemas.microsoft.com/office/powerpoint/2010/main" val="389575888"/>
       </p:ext>
     </p:extLst>
   </p:cSld>
@@ -4692,7 +4660,7 @@
           <a:p>
             <a:r>
               <a:rPr lang="en-US" dirty="0" smtClean="0"/>
-              <a:t>Server or not?</a:t>
+              <a:t>No Node or Python?</a:t>
             </a:r>
             <a:endParaRPr lang="en-US" dirty="0"/>
           </a:p>
@@ -4708,90 +4676,52 @@
             <p:ph idx="1"/>
           </p:nvPr>
         </p:nvSpPr>
-        <p:spPr/>
-        <p:txBody>
-          <a:bodyPr/>
-          <a:lstStyle/>
-          <a:p>
-            <a:r>
-              <a:rPr lang="en-US" dirty="0" smtClean="0"/>
-              <a:t>Do you need:</a:t>
-            </a:r>
-          </a:p>
-          <a:p>
-            <a:pPr lvl="1"/>
-            <a:r>
-              <a:rPr lang="en-US" dirty="0" smtClean="0"/>
-              <a:t>Storage/delivery of information that is contextual or non-static?</a:t>
-            </a:r>
-          </a:p>
-          <a:p>
-            <a:pPr lvl="1"/>
-            <a:r>
-              <a:rPr lang="en-US" dirty="0" smtClean="0"/>
-              <a:t>Customized user experiences?</a:t>
-            </a:r>
-          </a:p>
-          <a:p>
-            <a:pPr lvl="1"/>
-            <a:r>
-              <a:rPr lang="en-US" dirty="0" smtClean="0"/>
-              <a:t>Controlled access to content?</a:t>
-            </a:r>
-          </a:p>
-          <a:p>
-            <a:pPr lvl="1"/>
-            <a:r>
-              <a:rPr lang="en-US" dirty="0" smtClean="0"/>
-              <a:t>Session storage or state history?</a:t>
-            </a:r>
-          </a:p>
-          <a:p>
-            <a:pPr lvl="1"/>
-            <a:r>
-              <a:rPr lang="en-US" dirty="0" smtClean="0"/>
-              <a:t>Notifications or communication?</a:t>
-            </a:r>
-            <a:endParaRPr lang="en-US" dirty="0"/>
-          </a:p>
-          <a:p>
-            <a:pPr lvl="1"/>
-            <a:r>
-              <a:rPr lang="en-US" dirty="0" smtClean="0"/>
-              <a:t>Analysis of live data?</a:t>
-            </a:r>
-          </a:p>
-          <a:p>
-            <a:r>
-              <a:rPr lang="en-US" dirty="0" smtClean="0"/>
-              <a:t>If you need dynamic data analysis but have </a:t>
-            </a:r>
-            <a:r>
-              <a:rPr lang="en-US" i="1" dirty="0" smtClean="0"/>
-              <a:t>static data</a:t>
-            </a:r>
-            <a:r>
-              <a:rPr lang="en-US" dirty="0" smtClean="0"/>
-              <a:t>, you may not need a server at all! The frontend can handle this easily.</a:t>
-            </a:r>
-          </a:p>
-          <a:p>
-            <a:r>
-              <a:rPr lang="en-US" dirty="0" smtClean="0"/>
-              <a:t>See</a:t>
-            </a:r>
+        <p:spPr>
+          <a:xfrm>
+            <a:off x="488515" y="1825625"/>
+            <a:ext cx="10865285" cy="4351338"/>
+          </a:xfrm>
+        </p:spPr>
+        <p:txBody>
+          <a:bodyPr/>
+          <a:lstStyle/>
+          <a:p>
+            <a:r>
+              <a:rPr lang="en-US" dirty="0" smtClean="0"/>
+              <a:t>See this guide for Python:</a:t>
+            </a:r>
+          </a:p>
+          <a:p>
             <a:r>
               <a:rPr lang="en-US" dirty="0"/>
-              <a:t>: https://ligo.northwestern.edu/media/mass-plot/index.html</a:t>
-            </a:r>
+              <a:t>https://</a:t>
+            </a:r>
+            <a:r>
+              <a:rPr lang="en-US" dirty="0" smtClean="0"/>
+              <a:t>developer.mozilla.org/en-US/docs/Learn/Common_questions/set_up_a_local_testing_server</a:t>
+            </a:r>
+          </a:p>
+          <a:p>
             <a:endParaRPr lang="en-US" dirty="0" smtClean="0"/>
+          </a:p>
+          <a:p>
+            <a:r>
+              <a:rPr lang="en-US" dirty="0" smtClean="0"/>
+              <a:t>See this guide for Node:</a:t>
+            </a:r>
+          </a:p>
+          <a:p>
+            <a:r>
+              <a:rPr lang="en-US" dirty="0"/>
+              <a:t>https://developer.mozilla.org/en-US/docs/Learn/Server-side/Express_Nodejs/development_environment#Installing_Node</a:t>
+            </a:r>
           </a:p>
         </p:txBody>
       </p:sp>
     </p:spTree>
     <p:extLst>
       <p:ext uri="{BB962C8B-B14F-4D97-AF65-F5344CB8AC3E}">
-        <p14:creationId xmlns:p14="http://schemas.microsoft.com/office/powerpoint/2010/main" val="3600423162"/>
+        <p14:creationId xmlns:p14="http://schemas.microsoft.com/office/powerpoint/2010/main" val="3143553688"/>
       </p:ext>
     </p:extLst>
   </p:cSld>
@@ -4835,7 +4765,7 @@
           <a:p>
             <a:r>
               <a:rPr lang="en-US" dirty="0" smtClean="0"/>
-              <a:t>Frameworks: an important decision</a:t>
+              <a:t>Server or not?</a:t>
             </a:r>
             <a:endParaRPr lang="en-US" dirty="0"/>
           </a:p>
@@ -4856,66 +4786,85 @@
           <a:bodyPr/>
           <a:lstStyle/>
           <a:p>
-            <a:endParaRPr lang="en-US" b="1" dirty="0" smtClean="0"/>
-          </a:p>
-          <a:p>
-            <a:r>
-              <a:rPr lang="en-US" b="1" dirty="0" smtClean="0"/>
-              <a:t>Opinionated</a:t>
-            </a:r>
-            <a:r>
-              <a:rPr lang="en-US" dirty="0" smtClean="0"/>
-              <a:t>: Django, Ruby-on-Rails, .NET</a:t>
+            <a:r>
+              <a:rPr lang="en-US" dirty="0" smtClean="0"/>
+              <a:t>Do you need:</a:t>
             </a:r>
           </a:p>
           <a:p>
             <a:pPr lvl="1"/>
             <a:r>
               <a:rPr lang="en-US" dirty="0" smtClean="0"/>
-              <a:t>Harder to make “mistakes” but more restrictive on what you can do</a:t>
-            </a:r>
-          </a:p>
-          <a:p>
-            <a:endParaRPr lang="en-US" b="1" dirty="0" smtClean="0"/>
-          </a:p>
-          <a:p>
-            <a:r>
-              <a:rPr lang="en-US" b="1" dirty="0" smtClean="0"/>
-              <a:t>Non-Opinionated</a:t>
-            </a:r>
-            <a:r>
-              <a:rPr lang="en-US" dirty="0" smtClean="0"/>
-              <a:t>: Node, Flask</a:t>
+              <a:t>Storage/delivery of information that is contextual or non-static?</a:t>
             </a:r>
           </a:p>
           <a:p>
             <a:pPr lvl="1"/>
             <a:r>
               <a:rPr lang="en-US" dirty="0" smtClean="0"/>
-              <a:t>Easy to make mistakes, because they are minimal “build-your-own” solutions. This is also their </a:t>
+              <a:t>Customized user experiences?</a:t>
+            </a:r>
+          </a:p>
+          <a:p>
+            <a:pPr lvl="1"/>
+            <a:r>
+              <a:rPr lang="en-US" dirty="0" smtClean="0"/>
+              <a:t>Controlled access to content?</a:t>
+            </a:r>
+          </a:p>
+          <a:p>
+            <a:pPr lvl="1"/>
+            <a:r>
+              <a:rPr lang="en-US" dirty="0" smtClean="0"/>
+              <a:t>Session storage or state history?</a:t>
+            </a:r>
+          </a:p>
+          <a:p>
+            <a:pPr lvl="1"/>
+            <a:r>
+              <a:rPr lang="en-US" dirty="0" smtClean="0"/>
+              <a:t>Notifications or communication?</a:t>
+            </a:r>
+            <a:endParaRPr lang="en-US" dirty="0"/>
+          </a:p>
+          <a:p>
+            <a:pPr lvl="1"/>
+            <a:r>
+              <a:rPr lang="en-US" dirty="0" smtClean="0"/>
+              <a:t>Analysis of live data?</a:t>
+            </a:r>
+          </a:p>
+          <a:p>
+            <a:r>
+              <a:rPr lang="en-US" dirty="0" smtClean="0"/>
+              <a:t>If you need dynamic data analysis but have </a:t>
             </a:r>
             <a:r>
               <a:rPr lang="en-US" i="1" dirty="0" smtClean="0"/>
-              <a:t>strength</a:t>
-            </a:r>
-            <a:r>
-              <a:rPr lang="en-US" dirty="0" smtClean="0"/>
-              <a:t>: they can create almost anything.</a:t>
-            </a:r>
-          </a:p>
-          <a:p>
-            <a:pPr lvl="1"/>
-            <a:endParaRPr lang="en-US" dirty="0"/>
-          </a:p>
-          <a:p>
-            <a:endParaRPr lang="en-US" dirty="0"/>
+              <a:t>static data</a:t>
+            </a:r>
+            <a:r>
+              <a:rPr lang="en-US" dirty="0" smtClean="0"/>
+              <a:t>, you may not need a server at all! The frontend can handle this easily.</a:t>
+            </a:r>
+          </a:p>
+          <a:p>
+            <a:r>
+              <a:rPr lang="en-US" dirty="0" smtClean="0"/>
+              <a:t>See</a:t>
+            </a:r>
+            <a:r>
+              <a:rPr lang="en-US" dirty="0"/>
+              <a:t>: https://ligo.northwestern.edu/media/mass-plot/index.html</a:t>
+            </a:r>
+            <a:endParaRPr lang="en-US" dirty="0" smtClean="0"/>
           </a:p>
         </p:txBody>
       </p:sp>
     </p:spTree>
     <p:extLst>
       <p:ext uri="{BB962C8B-B14F-4D97-AF65-F5344CB8AC3E}">
-        <p14:creationId xmlns:p14="http://schemas.microsoft.com/office/powerpoint/2010/main" val="90284600"/>
+        <p14:creationId xmlns:p14="http://schemas.microsoft.com/office/powerpoint/2010/main" val="3600423162"/>
       </p:ext>
     </p:extLst>
   </p:cSld>
@@ -4949,17 +4898,17 @@
             <a:spLocks noGrp="1"/>
           </p:cNvSpPr>
           <p:nvPr>
-            <p:ph type="ctrTitle"/>
-          </p:nvPr>
-        </p:nvSpPr>
-        <p:spPr/>
-        <p:txBody>
-          <a:bodyPr/>
-          <a:lstStyle/>
-          <a:p>
-            <a:r>
-              <a:rPr lang="en-US" dirty="0" smtClean="0"/>
-              <a:t>Questions?</a:t>
+            <p:ph type="title"/>
+          </p:nvPr>
+        </p:nvSpPr>
+        <p:spPr/>
+        <p:txBody>
+          <a:bodyPr/>
+          <a:lstStyle/>
+          <a:p>
+            <a:r>
+              <a:rPr lang="en-US" dirty="0" smtClean="0"/>
+              <a:t>Frameworks: an important decision</a:t>
             </a:r>
             <a:endParaRPr lang="en-US" dirty="0"/>
           </a:p>
@@ -4967,27 +4916,79 @@
       </p:sp>
       <p:sp>
         <p:nvSpPr>
-          <p:cNvPr id="3" name="Subtitle 2"/>
-          <p:cNvSpPr>
-            <a:spLocks noGrp="1"/>
-          </p:cNvSpPr>
-          <p:nvPr>
-            <p:ph type="subTitle" idx="1"/>
-          </p:nvPr>
-        </p:nvSpPr>
-        <p:spPr/>
-        <p:txBody>
-          <a:bodyPr/>
-          <a:lstStyle/>
-          <a:p>
-            <a:endParaRPr lang="en-US"/>
+          <p:cNvPr id="3" name="Content Placeholder 2"/>
+          <p:cNvSpPr>
+            <a:spLocks noGrp="1"/>
+          </p:cNvSpPr>
+          <p:nvPr>
+            <p:ph idx="1"/>
+          </p:nvPr>
+        </p:nvSpPr>
+        <p:spPr/>
+        <p:txBody>
+          <a:bodyPr/>
+          <a:lstStyle/>
+          <a:p>
+            <a:endParaRPr lang="en-US" b="1" dirty="0" smtClean="0"/>
+          </a:p>
+          <a:p>
+            <a:r>
+              <a:rPr lang="en-US" b="1" dirty="0" smtClean="0"/>
+              <a:t>Opinionated</a:t>
+            </a:r>
+            <a:r>
+              <a:rPr lang="en-US" dirty="0" smtClean="0"/>
+              <a:t>: Django, Ruby-on-Rails, .NET</a:t>
+            </a:r>
+          </a:p>
+          <a:p>
+            <a:pPr lvl="1"/>
+            <a:r>
+              <a:rPr lang="en-US" dirty="0" smtClean="0"/>
+              <a:t>Harder to make “mistakes” but more restrictive on what you can do</a:t>
+            </a:r>
+          </a:p>
+          <a:p>
+            <a:endParaRPr lang="en-US" b="1" dirty="0" smtClean="0"/>
+          </a:p>
+          <a:p>
+            <a:r>
+              <a:rPr lang="en-US" b="1" dirty="0" smtClean="0"/>
+              <a:t>Non-Opinionated</a:t>
+            </a:r>
+            <a:r>
+              <a:rPr lang="en-US" dirty="0" smtClean="0"/>
+              <a:t>: Node, Flask</a:t>
+            </a:r>
+          </a:p>
+          <a:p>
+            <a:pPr lvl="1"/>
+            <a:r>
+              <a:rPr lang="en-US" dirty="0" smtClean="0"/>
+              <a:t>Easy to make mistakes, because they are minimal “build-your-own” solutions. This is also their </a:t>
+            </a:r>
+            <a:r>
+              <a:rPr lang="en-US" i="1" dirty="0" smtClean="0"/>
+              <a:t>strength</a:t>
+            </a:r>
+            <a:r>
+              <a:rPr lang="en-US" dirty="0" smtClean="0"/>
+              <a:t>: they can create almost anything.</a:t>
+            </a:r>
+          </a:p>
+          <a:p>
+            <a:pPr lvl="1"/>
+            <a:endParaRPr lang="en-US" dirty="0"/>
+          </a:p>
+          <a:p>
+            <a:endParaRPr lang="en-US" dirty="0"/>
           </a:p>
         </p:txBody>
       </p:sp>
     </p:spTree>
     <p:extLst>
       <p:ext uri="{BB962C8B-B14F-4D97-AF65-F5344CB8AC3E}">
-        <p14:creationId xmlns:p14="http://schemas.microsoft.com/office/powerpoint/2010/main" val="3259624433"/>
+        <p14:creationId xmlns:p14="http://schemas.microsoft.com/office/powerpoint/2010/main" val="90284600"/>
       </p:ext>
     </p:extLst>
   </p:cSld>
@@ -5115,6 +5116,78 @@
             <a:spLocks noGrp="1"/>
           </p:cNvSpPr>
           <p:nvPr>
+            <p:ph type="ctrTitle"/>
+          </p:nvPr>
+        </p:nvSpPr>
+        <p:spPr/>
+        <p:txBody>
+          <a:bodyPr/>
+          <a:lstStyle/>
+          <a:p>
+            <a:r>
+              <a:rPr lang="en-US" dirty="0" smtClean="0"/>
+              <a:t>Questions?</a:t>
+            </a:r>
+            <a:endParaRPr lang="en-US" dirty="0"/>
+          </a:p>
+        </p:txBody>
+      </p:sp>
+      <p:sp>
+        <p:nvSpPr>
+          <p:cNvPr id="3" name="Subtitle 2"/>
+          <p:cNvSpPr>
+            <a:spLocks noGrp="1"/>
+          </p:cNvSpPr>
+          <p:nvPr>
+            <p:ph type="subTitle" idx="1"/>
+          </p:nvPr>
+        </p:nvSpPr>
+        <p:spPr/>
+        <p:txBody>
+          <a:bodyPr/>
+          <a:lstStyle/>
+          <a:p>
+            <a:endParaRPr lang="en-US"/>
+          </a:p>
+        </p:txBody>
+      </p:sp>
+    </p:spTree>
+    <p:extLst>
+      <p:ext uri="{BB962C8B-B14F-4D97-AF65-F5344CB8AC3E}">
+        <p14:creationId xmlns:p14="http://schemas.microsoft.com/office/powerpoint/2010/main" val="3259624433"/>
+      </p:ext>
+    </p:extLst>
+  </p:cSld>
+  <p:clrMapOvr>
+    <a:masterClrMapping/>
+  </p:clrMapOvr>
+</p:sld>
+</file>
+
+<file path=ppt/slides/slide21.xml><?xml version="1.0" encoding="utf-8"?>
+<p:sld xmlns:a="http://schemas.openxmlformats.org/drawingml/2006/main" xmlns:r="http://schemas.openxmlformats.org/officeDocument/2006/relationships" xmlns:p="http://schemas.openxmlformats.org/presentationml/2006/main">
+  <p:cSld>
+    <p:spTree>
+      <p:nvGrpSpPr>
+        <p:cNvPr id="1" name=""/>
+        <p:cNvGrpSpPr/>
+        <p:nvPr/>
+      </p:nvGrpSpPr>
+      <p:grpSpPr>
+        <a:xfrm>
+          <a:off x="0" y="0"/>
+          <a:ext cx="0" cy="0"/>
+          <a:chOff x="0" y="0"/>
+          <a:chExt cx="0" cy="0"/>
+        </a:xfrm>
+      </p:grpSpPr>
+      <p:sp>
+        <p:nvSpPr>
+          <p:cNvPr id="2" name="Title 1"/>
+          <p:cNvSpPr>
+            <a:spLocks noGrp="1"/>
+          </p:cNvSpPr>
+          <p:nvPr>
             <p:ph type="title"/>
           </p:nvPr>
         </p:nvSpPr>
@@ -5334,15 +5407,7 @@
           <a:p>
             <a:r>
               <a:rPr lang="en-US" dirty="0" smtClean="0"/>
-              <a:t>A </a:t>
-            </a:r>
-            <a:r>
-              <a:rPr lang="en-US" dirty="0" smtClean="0"/>
-              <a:t>short </a:t>
-            </a:r>
-            <a:r>
-              <a:rPr lang="en-US" dirty="0" smtClean="0"/>
-              <a:t>overview of some terminology behind web development</a:t>
+              <a:t>A short overview of some terminology behind web development</a:t>
             </a:r>
           </a:p>
           <a:p>
@@ -5350,7 +5415,6 @@
               <a:rPr lang="en-US" dirty="0" smtClean="0"/>
               <a:t>Setting up a local webserver</a:t>
             </a:r>
-            <a:endParaRPr lang="en-US" dirty="0" smtClean="0"/>
           </a:p>
           <a:p>
             <a:r>
@@ -5462,11 +5526,7 @@
             <a:pPr lvl="1"/>
             <a:r>
               <a:rPr lang="en-US" sz="3600" dirty="0" smtClean="0"/>
-              <a:t>Guide </a:t>
-            </a:r>
-            <a:r>
-              <a:rPr lang="en-US" sz="3600" dirty="0" smtClean="0"/>
-              <a:t>to Dynamic </a:t>
+              <a:t>Guide to Dynamic </a:t>
             </a:r>
             <a:r>
               <a:rPr lang="en-US" sz="3600" dirty="0" err="1" smtClean="0"/>
